--- a/Làm Web với VisualStudio.pptx
+++ b/Làm Web với VisualStudio.pptx
@@ -289,7 +289,7 @@
           <a:p>
             <a:fld id="{C8933107-B846-428C-9AC3-CE8C5E14AC7F}" type="datetimeFigureOut">
               <a:rPr lang="en-US" smtClean="0"/>
-              <a:t>15/11/2024</a:t>
+              <a:t>16/11/2024</a:t>
             </a:fld>
             <a:endParaRPr lang="en-US"/>
           </a:p>
@@ -487,7 +487,7 @@
           <a:p>
             <a:fld id="{C8933107-B846-428C-9AC3-CE8C5E14AC7F}" type="datetimeFigureOut">
               <a:rPr lang="en-US" smtClean="0"/>
-              <a:t>15/11/2024</a:t>
+              <a:t>16/11/2024</a:t>
             </a:fld>
             <a:endParaRPr lang="en-US"/>
           </a:p>
@@ -695,7 +695,7 @@
           <a:p>
             <a:fld id="{C8933107-B846-428C-9AC3-CE8C5E14AC7F}" type="datetimeFigureOut">
               <a:rPr lang="en-US" smtClean="0"/>
-              <a:t>15/11/2024</a:t>
+              <a:t>16/11/2024</a:t>
             </a:fld>
             <a:endParaRPr lang="en-US"/>
           </a:p>
@@ -893,7 +893,7 @@
           <a:p>
             <a:fld id="{C8933107-B846-428C-9AC3-CE8C5E14AC7F}" type="datetimeFigureOut">
               <a:rPr lang="en-US" smtClean="0"/>
-              <a:t>15/11/2024</a:t>
+              <a:t>16/11/2024</a:t>
             </a:fld>
             <a:endParaRPr lang="en-US"/>
           </a:p>
@@ -1168,7 +1168,7 @@
           <a:p>
             <a:fld id="{C8933107-B846-428C-9AC3-CE8C5E14AC7F}" type="datetimeFigureOut">
               <a:rPr lang="en-US" smtClean="0"/>
-              <a:t>15/11/2024</a:t>
+              <a:t>16/11/2024</a:t>
             </a:fld>
             <a:endParaRPr lang="en-US"/>
           </a:p>
@@ -1433,7 +1433,7 @@
           <a:p>
             <a:fld id="{C8933107-B846-428C-9AC3-CE8C5E14AC7F}" type="datetimeFigureOut">
               <a:rPr lang="en-US" smtClean="0"/>
-              <a:t>15/11/2024</a:t>
+              <a:t>16/11/2024</a:t>
             </a:fld>
             <a:endParaRPr lang="en-US"/>
           </a:p>
@@ -1845,7 +1845,7 @@
           <a:p>
             <a:fld id="{C8933107-B846-428C-9AC3-CE8C5E14AC7F}" type="datetimeFigureOut">
               <a:rPr lang="en-US" smtClean="0"/>
-              <a:t>15/11/2024</a:t>
+              <a:t>16/11/2024</a:t>
             </a:fld>
             <a:endParaRPr lang="en-US"/>
           </a:p>
@@ -1986,7 +1986,7 @@
           <a:p>
             <a:fld id="{C8933107-B846-428C-9AC3-CE8C5E14AC7F}" type="datetimeFigureOut">
               <a:rPr lang="en-US" smtClean="0"/>
-              <a:t>15/11/2024</a:t>
+              <a:t>16/11/2024</a:t>
             </a:fld>
             <a:endParaRPr lang="en-US"/>
           </a:p>
@@ -2099,7 +2099,7 @@
           <a:p>
             <a:fld id="{C8933107-B846-428C-9AC3-CE8C5E14AC7F}" type="datetimeFigureOut">
               <a:rPr lang="en-US" smtClean="0"/>
-              <a:t>15/11/2024</a:t>
+              <a:t>16/11/2024</a:t>
             </a:fld>
             <a:endParaRPr lang="en-US"/>
           </a:p>
@@ -2410,7 +2410,7 @@
           <a:p>
             <a:fld id="{C8933107-B846-428C-9AC3-CE8C5E14AC7F}" type="datetimeFigureOut">
               <a:rPr lang="en-US" smtClean="0"/>
-              <a:t>15/11/2024</a:t>
+              <a:t>16/11/2024</a:t>
             </a:fld>
             <a:endParaRPr lang="en-US"/>
           </a:p>
@@ -2698,7 +2698,7 @@
           <a:p>
             <a:fld id="{C8933107-B846-428C-9AC3-CE8C5E14AC7F}" type="datetimeFigureOut">
               <a:rPr lang="en-US" smtClean="0"/>
-              <a:t>15/11/2024</a:t>
+              <a:t>16/11/2024</a:t>
             </a:fld>
             <a:endParaRPr lang="en-US"/>
           </a:p>
@@ -2939,7 +2939,7 @@
           <a:p>
             <a:fld id="{C8933107-B846-428C-9AC3-CE8C5E14AC7F}" type="datetimeFigureOut">
               <a:rPr lang="en-US" smtClean="0"/>
-              <a:t>15/11/2024</a:t>
+              <a:t>16/11/2024</a:t>
             </a:fld>
             <a:endParaRPr lang="en-US"/>
           </a:p>
@@ -3378,7 +3378,7 @@
           <a:lstStyle/>
           <a:p>
             <a:r>
-              <a:rPr lang="en-US"/>
+              <a:rPr lang="en-US" dirty="0"/>
               <a:t>Link Video:</a:t>
             </a:r>
           </a:p>
@@ -3411,7 +3411,7 @@
           <a:lstStyle/>
           <a:p>
             <a:r>
-              <a:rPr lang="en-US"/>
+              <a:rPr lang="en-US" dirty="0"/>
               <a:t>https://www.youtube.com/watch?v=PDAr6DpJfIY&amp;list=PLPNDi-wPpMzgEZnBnAAijM-SS7SidP2jr&amp;index=1</a:t>
             </a:r>
           </a:p>
@@ -3581,6 +3581,10 @@
             <a:r>
               <a:rPr lang="en-US" b="1"/>
               <a:t>t</a:t>
+            </a:r>
+            <a:r>
+              <a:rPr lang="vi-VN" b="1"/>
+              <a:t/>
             </a:r>
             <a:br>
               <a:rPr lang="vi-VN" b="1"/>
